--- a/resources/hw/genomic-data-visualization-HW_6.pptx
+++ b/resources/hw/genomic-data-visualization-HW_6.pptx
@@ -106,6 +106,11 @@
       </a:defRPr>
     </a:lvl9pPr>
   </p:defaultTextStyle>
+  <p:extLst>
+    <p:ext uri="{EFAFB233-063F-42B5-8137-9DF3F51BA10A}">
+      <p15:sldGuideLst xmlns:p15="http://schemas.microsoft.com/office/powerpoint/2012/main"/>
+    </p:ext>
+  </p:extLst>
 </p:presentation>
 </file>
 
@@ -256,7 +261,7 @@
           <a:p>
             <a:fld id="{EA7AF97D-2E4D-EC45-A828-2A00154AE3A4}" type="datetimeFigureOut">
               <a:rPr lang="en-US" smtClean="0"/>
-              <a:t>2/19/23</a:t>
+              <a:t>2/21/23</a:t>
             </a:fld>
             <a:endParaRPr lang="en-US"/>
           </a:p>
@@ -454,7 +459,7 @@
           <a:p>
             <a:fld id="{EA7AF97D-2E4D-EC45-A828-2A00154AE3A4}" type="datetimeFigureOut">
               <a:rPr lang="en-US" smtClean="0"/>
-              <a:t>2/19/23</a:t>
+              <a:t>2/21/23</a:t>
             </a:fld>
             <a:endParaRPr lang="en-US"/>
           </a:p>
@@ -662,7 +667,7 @@
           <a:p>
             <a:fld id="{EA7AF97D-2E4D-EC45-A828-2A00154AE3A4}" type="datetimeFigureOut">
               <a:rPr lang="en-US" smtClean="0"/>
-              <a:t>2/19/23</a:t>
+              <a:t>2/21/23</a:t>
             </a:fld>
             <a:endParaRPr lang="en-US"/>
           </a:p>
@@ -860,7 +865,7 @@
           <a:p>
             <a:fld id="{EA7AF97D-2E4D-EC45-A828-2A00154AE3A4}" type="datetimeFigureOut">
               <a:rPr lang="en-US" smtClean="0"/>
-              <a:t>2/19/23</a:t>
+              <a:t>2/21/23</a:t>
             </a:fld>
             <a:endParaRPr lang="en-US"/>
           </a:p>
@@ -1135,7 +1140,7 @@
           <a:p>
             <a:fld id="{EA7AF97D-2E4D-EC45-A828-2A00154AE3A4}" type="datetimeFigureOut">
               <a:rPr lang="en-US" smtClean="0"/>
-              <a:t>2/19/23</a:t>
+              <a:t>2/21/23</a:t>
             </a:fld>
             <a:endParaRPr lang="en-US"/>
           </a:p>
@@ -1400,7 +1405,7 @@
           <a:p>
             <a:fld id="{EA7AF97D-2E4D-EC45-A828-2A00154AE3A4}" type="datetimeFigureOut">
               <a:rPr lang="en-US" smtClean="0"/>
-              <a:t>2/19/23</a:t>
+              <a:t>2/21/23</a:t>
             </a:fld>
             <a:endParaRPr lang="en-US"/>
           </a:p>
@@ -1812,7 +1817,7 @@
           <a:p>
             <a:fld id="{EA7AF97D-2E4D-EC45-A828-2A00154AE3A4}" type="datetimeFigureOut">
               <a:rPr lang="en-US" smtClean="0"/>
-              <a:t>2/19/23</a:t>
+              <a:t>2/21/23</a:t>
             </a:fld>
             <a:endParaRPr lang="en-US"/>
           </a:p>
@@ -1953,7 +1958,7 @@
           <a:p>
             <a:fld id="{EA7AF97D-2E4D-EC45-A828-2A00154AE3A4}" type="datetimeFigureOut">
               <a:rPr lang="en-US" smtClean="0"/>
-              <a:t>2/19/23</a:t>
+              <a:t>2/21/23</a:t>
             </a:fld>
             <a:endParaRPr lang="en-US"/>
           </a:p>
@@ -2066,7 +2071,7 @@
           <a:p>
             <a:fld id="{EA7AF97D-2E4D-EC45-A828-2A00154AE3A4}" type="datetimeFigureOut">
               <a:rPr lang="en-US" smtClean="0"/>
-              <a:t>2/19/23</a:t>
+              <a:t>2/21/23</a:t>
             </a:fld>
             <a:endParaRPr lang="en-US"/>
           </a:p>
@@ -2377,7 +2382,7 @@
           <a:p>
             <a:fld id="{EA7AF97D-2E4D-EC45-A828-2A00154AE3A4}" type="datetimeFigureOut">
               <a:rPr lang="en-US" smtClean="0"/>
-              <a:t>2/19/23</a:t>
+              <a:t>2/21/23</a:t>
             </a:fld>
             <a:endParaRPr lang="en-US"/>
           </a:p>
@@ -2665,7 +2670,7 @@
           <a:p>
             <a:fld id="{EA7AF97D-2E4D-EC45-A828-2A00154AE3A4}" type="datetimeFigureOut">
               <a:rPr lang="en-US" smtClean="0"/>
-              <a:t>2/19/23</a:t>
+              <a:t>2/21/23</a:t>
             </a:fld>
             <a:endParaRPr lang="en-US"/>
           </a:p>
@@ -2906,7 +2911,7 @@
           <a:p>
             <a:fld id="{EA7AF97D-2E4D-EC45-A828-2A00154AE3A4}" type="datetimeFigureOut">
               <a:rPr lang="en-US" smtClean="0"/>
-              <a:t>2/19/23</a:t>
+              <a:t>2/21/23</a:t>
             </a:fld>
             <a:endParaRPr lang="en-US"/>
           </a:p>
@@ -3434,7 +3439,15 @@
           <a:p>
             <a:r>
               <a:rPr lang="en-US" sz="3200" dirty="0"/>
-              <a:t>Create a multi-panel data visualization to interpret a cell cluster in your data</a:t>
+              <a:t>Create a multi-panel data visualization to interpret a cell cluster in the </a:t>
+            </a:r>
+            <a:r>
+              <a:rPr lang="en-US" sz="3200"/>
+              <a:t>Visium </a:t>
+            </a:r>
+            <a:r>
+              <a:rPr lang="en-US" sz="3200" dirty="0"/>
+              <a:t>data</a:t>
             </a:r>
           </a:p>
         </p:txBody>
